--- a/Презентация QT.pptx
+++ b/Презентация QT.pptx
@@ -11,7 +11,7 @@
     <p:sldId id="259" r:id="rId5"/>
     <p:sldId id="260" r:id="rId6"/>
     <p:sldId id="261" r:id="rId7"/>
-    <p:sldId id="262" r:id="rId8"/>
+    <p:sldId id="264" r:id="rId8"/>
     <p:sldId id="263" r:id="rId9"/>
   </p:sldIdLst>
   <p:sldSz cx="12192000" cy="6858000"/>
@@ -111,6 +111,11 @@
       </a:defRPr>
     </a:lvl9pPr>
   </p:defaultTextStyle>
+  <p:extLst>
+    <p:ext uri="{EFAFB233-063F-42B5-8137-9DF3F51BA10A}">
+      <p15:sldGuideLst xmlns:p15="http://schemas.microsoft.com/office/powerpoint/2012/main"/>
+    </p:ext>
+  </p:extLst>
 </p:presentation>
 </file>
 
@@ -836,7 +841,7 @@
           <a:p>
             <a:fld id="{8C1436C9-A9D6-44FF-AAD8-CB0B97ED1738}" type="datetimeFigureOut">
               <a:rPr lang="ru-RU" smtClean="0"/>
-              <a:t>01.11.2021</a:t>
+              <a:t>05.11.2021</a:t>
             </a:fld>
             <a:endParaRPr lang="ru-RU"/>
           </a:p>
@@ -1087,7 +1092,7 @@
           <a:p>
             <a:fld id="{8C1436C9-A9D6-44FF-AAD8-CB0B97ED1738}" type="datetimeFigureOut">
               <a:rPr lang="ru-RU" smtClean="0"/>
-              <a:t>01.11.2021</a:t>
+              <a:t>05.11.2021</a:t>
             </a:fld>
             <a:endParaRPr lang="ru-RU"/>
           </a:p>
@@ -1401,7 +1406,7 @@
           <a:p>
             <a:fld id="{8C1436C9-A9D6-44FF-AAD8-CB0B97ED1738}" type="datetimeFigureOut">
               <a:rPr lang="ru-RU" smtClean="0"/>
-              <a:t>01.11.2021</a:t>
+              <a:t>05.11.2021</a:t>
             </a:fld>
             <a:endParaRPr lang="ru-RU"/>
           </a:p>
@@ -1742,7 +1747,7 @@
           <a:p>
             <a:fld id="{8C1436C9-A9D6-44FF-AAD8-CB0B97ED1738}" type="datetimeFigureOut">
               <a:rPr lang="ru-RU" smtClean="0"/>
-              <a:t>01.11.2021</a:t>
+              <a:t>05.11.2021</a:t>
             </a:fld>
             <a:endParaRPr lang="ru-RU"/>
           </a:p>
@@ -2056,7 +2061,7 @@
           <a:p>
             <a:fld id="{8C1436C9-A9D6-44FF-AAD8-CB0B97ED1738}" type="datetimeFigureOut">
               <a:rPr lang="ru-RU" smtClean="0"/>
-              <a:t>01.11.2021</a:t>
+              <a:t>05.11.2021</a:t>
             </a:fld>
             <a:endParaRPr lang="ru-RU"/>
           </a:p>
@@ -2449,7 +2454,7 @@
           <a:p>
             <a:fld id="{8C1436C9-A9D6-44FF-AAD8-CB0B97ED1738}" type="datetimeFigureOut">
               <a:rPr lang="ru-RU" smtClean="0"/>
-              <a:t>01.11.2021</a:t>
+              <a:t>05.11.2021</a:t>
             </a:fld>
             <a:endParaRPr lang="ru-RU"/>
           </a:p>
@@ -2619,7 +2624,7 @@
           <a:p>
             <a:fld id="{8C1436C9-A9D6-44FF-AAD8-CB0B97ED1738}" type="datetimeFigureOut">
               <a:rPr lang="ru-RU" smtClean="0"/>
-              <a:t>01.11.2021</a:t>
+              <a:t>05.11.2021</a:t>
             </a:fld>
             <a:endParaRPr lang="ru-RU"/>
           </a:p>
@@ -2799,7 +2804,7 @@
           <a:p>
             <a:fld id="{8C1436C9-A9D6-44FF-AAD8-CB0B97ED1738}" type="datetimeFigureOut">
               <a:rPr lang="ru-RU" smtClean="0"/>
-              <a:t>01.11.2021</a:t>
+              <a:t>05.11.2021</a:t>
             </a:fld>
             <a:endParaRPr lang="ru-RU"/>
           </a:p>
@@ -2975,7 +2980,7 @@
           <a:p>
             <a:fld id="{8C1436C9-A9D6-44FF-AAD8-CB0B97ED1738}" type="datetimeFigureOut">
               <a:rPr lang="ru-RU" smtClean="0"/>
-              <a:t>01.11.2021</a:t>
+              <a:t>05.11.2021</a:t>
             </a:fld>
             <a:endParaRPr lang="ru-RU"/>
           </a:p>
@@ -3222,7 +3227,7 @@
           <a:p>
             <a:fld id="{8C1436C9-A9D6-44FF-AAD8-CB0B97ED1738}" type="datetimeFigureOut">
               <a:rPr lang="ru-RU" smtClean="0"/>
-              <a:t>01.11.2021</a:t>
+              <a:t>05.11.2021</a:t>
             </a:fld>
             <a:endParaRPr lang="ru-RU"/>
           </a:p>
@@ -3454,7 +3459,7 @@
           <a:p>
             <a:fld id="{8C1436C9-A9D6-44FF-AAD8-CB0B97ED1738}" type="datetimeFigureOut">
               <a:rPr lang="ru-RU" smtClean="0"/>
-              <a:t>01.11.2021</a:t>
+              <a:t>05.11.2021</a:t>
             </a:fld>
             <a:endParaRPr lang="ru-RU"/>
           </a:p>
@@ -3828,7 +3833,7 @@
           <a:p>
             <a:fld id="{8C1436C9-A9D6-44FF-AAD8-CB0B97ED1738}" type="datetimeFigureOut">
               <a:rPr lang="ru-RU" smtClean="0"/>
-              <a:t>01.11.2021</a:t>
+              <a:t>05.11.2021</a:t>
             </a:fld>
             <a:endParaRPr lang="ru-RU"/>
           </a:p>
@@ -3951,7 +3956,7 @@
           <a:p>
             <a:fld id="{8C1436C9-A9D6-44FF-AAD8-CB0B97ED1738}" type="datetimeFigureOut">
               <a:rPr lang="ru-RU" smtClean="0"/>
-              <a:t>01.11.2021</a:t>
+              <a:t>05.11.2021</a:t>
             </a:fld>
             <a:endParaRPr lang="ru-RU"/>
           </a:p>
@@ -4046,7 +4051,7 @@
           <a:p>
             <a:fld id="{8C1436C9-A9D6-44FF-AAD8-CB0B97ED1738}" type="datetimeFigureOut">
               <a:rPr lang="ru-RU" smtClean="0"/>
-              <a:t>01.11.2021</a:t>
+              <a:t>05.11.2021</a:t>
             </a:fld>
             <a:endParaRPr lang="ru-RU"/>
           </a:p>
@@ -4301,7 +4306,7 @@
           <a:p>
             <a:fld id="{8C1436C9-A9D6-44FF-AAD8-CB0B97ED1738}" type="datetimeFigureOut">
               <a:rPr lang="ru-RU" smtClean="0"/>
-              <a:t>01.11.2021</a:t>
+              <a:t>05.11.2021</a:t>
             </a:fld>
             <a:endParaRPr lang="ru-RU"/>
           </a:p>
@@ -4564,7 +4569,7 @@
           <a:p>
             <a:fld id="{8C1436C9-A9D6-44FF-AAD8-CB0B97ED1738}" type="datetimeFigureOut">
               <a:rPr lang="ru-RU" smtClean="0"/>
-              <a:t>01.11.2021</a:t>
+              <a:t>05.11.2021</a:t>
             </a:fld>
             <a:endParaRPr lang="ru-RU"/>
           </a:p>
@@ -5307,7 +5312,7 @@
           <a:p>
             <a:fld id="{8C1436C9-A9D6-44FF-AAD8-CB0B97ED1738}" type="datetimeFigureOut">
               <a:rPr lang="ru-RU" smtClean="0"/>
-              <a:t>01.11.2021</a:t>
+              <a:t>05.11.2021</a:t>
             </a:fld>
             <a:endParaRPr lang="ru-RU"/>
           </a:p>
@@ -5880,7 +5885,7 @@
         </p:nvSpPr>
         <p:spPr>
           <a:xfrm>
-            <a:off x="5773159" y="4960576"/>
+            <a:off x="5929913" y="4899185"/>
             <a:ext cx="4859382" cy="1655762"/>
           </a:xfrm>
         </p:spPr>
@@ -6010,42 +6015,79 @@
             <p:ph type="title"/>
           </p:nvPr>
         </p:nvSpPr>
-        <p:spPr/>
-        <p:txBody>
-          <a:bodyPr/>
-          <a:lstStyle/>
-          <a:p>
-            <a:r>
-              <a:rPr lang="ru-RU" dirty="0" smtClean="0"/>
+        <p:spPr>
+          <a:xfrm>
+            <a:off x="598957" y="478971"/>
+            <a:ext cx="8596668" cy="1320800"/>
+          </a:xfrm>
+        </p:spPr>
+        <p:txBody>
+          <a:bodyPr>
+            <a:normAutofit/>
+          </a:bodyPr>
+          <a:lstStyle/>
+          <a:p>
+            <a:r>
+              <a:rPr lang="ru-RU" sz="4800" dirty="0" smtClean="0"/>
               <a:t>Рисование кистью</a:t>
             </a:r>
-            <a:endParaRPr lang="ru-RU" dirty="0"/>
+            <a:endParaRPr lang="ru-RU" sz="4800" dirty="0"/>
+          </a:p>
+        </p:txBody>
+      </p:sp>
+      <p:sp>
+        <p:nvSpPr>
+          <p:cNvPr id="3" name="TextBox 2"/>
+          <p:cNvSpPr txBox="1"/>
+          <p:nvPr/>
+        </p:nvSpPr>
+        <p:spPr>
+          <a:xfrm>
+            <a:off x="6627224" y="1912605"/>
+            <a:ext cx="3048000" cy="2677656"/>
+          </a:xfrm>
+          <a:prstGeom prst="rect">
+            <a:avLst/>
+          </a:prstGeom>
+          <a:noFill/>
+        </p:spPr>
+        <p:txBody>
+          <a:bodyPr wrap="square" rtlCol="0">
+            <a:spAutoFit/>
+          </a:bodyPr>
+          <a:lstStyle/>
+          <a:p>
+            <a:r>
+              <a:rPr lang="ru-RU" sz="2400" dirty="0" smtClean="0"/>
+              <a:t>Чтобы начать рисовать кистью, пользователю нужно перейти       в меню Фигуры и нажать на кнопку Кисть</a:t>
+            </a:r>
+            <a:endParaRPr lang="ru-RU" sz="2400" dirty="0"/>
           </a:p>
         </p:txBody>
       </p:sp>
       <p:pic>
         <p:nvPicPr>
-          <p:cNvPr id="4" name="Объект 3"/>
+          <p:cNvPr id="5" name="Рисунок 4"/>
           <p:cNvPicPr>
             <a:picLocks noChangeAspect="1"/>
           </p:cNvPicPr>
           <p:nvPr/>
         </p:nvPicPr>
         <p:blipFill rotWithShape="1">
-          <a:blip r:embed="rId2" cstate="print">
+          <a:blip r:embed="rId2">
             <a:extLst>
               <a:ext uri="{28A0092B-C50C-407E-A947-70E740481C1C}">
                 <a14:useLocalDpi xmlns:a14="http://schemas.microsoft.com/office/drawing/2010/main" val="0"/>
               </a:ext>
             </a:extLst>
           </a:blip>
-          <a:srcRect l="29619" t="16703" r="29731" b="24361"/>
+          <a:srcRect l="29602" t="16508" r="29714" b="24630"/>
           <a:stretch/>
         </p:blipFill>
         <p:spPr>
           <a:xfrm>
-            <a:off x="2177143" y="1567542"/>
-            <a:ext cx="6247049" cy="5094515"/>
+            <a:off x="457200" y="1515290"/>
+            <a:ext cx="6021977" cy="4900863"/>
           </a:xfrm>
           <a:prstGeom prst="rect">
             <a:avLst/>
@@ -6094,43 +6136,76 @@
         </p:nvSpPr>
         <p:spPr/>
         <p:txBody>
-          <a:bodyPr/>
-          <a:lstStyle/>
-          <a:p>
-            <a:r>
-              <a:rPr lang="ru-RU" dirty="0" smtClean="0"/>
+          <a:bodyPr>
+            <a:normAutofit/>
+          </a:bodyPr>
+          <a:lstStyle/>
+          <a:p>
+            <a:r>
+              <a:rPr lang="ru-RU" sz="4800" dirty="0" smtClean="0"/>
               <a:t>Рисование линий</a:t>
             </a:r>
-            <a:endParaRPr lang="ru-RU" dirty="0"/>
+            <a:endParaRPr lang="ru-RU" sz="4800" dirty="0"/>
+          </a:p>
+        </p:txBody>
+      </p:sp>
+      <p:sp>
+        <p:nvSpPr>
+          <p:cNvPr id="5" name="TextBox 4"/>
+          <p:cNvSpPr txBox="1"/>
+          <p:nvPr/>
+        </p:nvSpPr>
+        <p:spPr>
+          <a:xfrm>
+            <a:off x="6627223" y="1912605"/>
+            <a:ext cx="3431177" cy="2308324"/>
+          </a:xfrm>
+          <a:prstGeom prst="rect">
+            <a:avLst/>
+          </a:prstGeom>
+          <a:noFill/>
+        </p:spPr>
+        <p:txBody>
+          <a:bodyPr wrap="square" rtlCol="0">
+            <a:spAutoFit/>
+          </a:bodyPr>
+          <a:lstStyle/>
+          <a:p>
+            <a:r>
+              <a:rPr lang="ru-RU" sz="2400" dirty="0" smtClean="0"/>
+              <a:t>Чтобы начать рисовать прямую линию, пользователю нужно перейти в меню Фигуры и нажать на кнопку Линия</a:t>
+            </a:r>
+            <a:endParaRPr lang="ru-RU" sz="2400" dirty="0"/>
           </a:p>
         </p:txBody>
       </p:sp>
       <p:pic>
         <p:nvPicPr>
-          <p:cNvPr id="4" name="Объект 3"/>
+          <p:cNvPr id="6" name="Рисунок 5"/>
           <p:cNvPicPr>
-            <a:picLocks noGrp="1" noChangeAspect="1"/>
+            <a:picLocks noChangeAspect="1"/>
           </p:cNvPicPr>
-          <p:nvPr>
-            <p:ph idx="1"/>
-          </p:nvPr>
+          <p:nvPr/>
         </p:nvPicPr>
         <p:blipFill rotWithShape="1">
-          <a:blip r:embed="rId2" cstate="print">
+          <a:blip r:embed="rId2">
             <a:extLst>
               <a:ext uri="{28A0092B-C50C-407E-A947-70E740481C1C}">
                 <a14:useLocalDpi xmlns:a14="http://schemas.microsoft.com/office/drawing/2010/main" val="0"/>
               </a:ext>
             </a:extLst>
           </a:blip>
-          <a:srcRect l="29612" t="16404" r="29669" b="24478"/>
+          <a:srcRect l="29666" t="16508" r="29653" b="24444"/>
           <a:stretch/>
         </p:blipFill>
         <p:spPr>
           <a:xfrm>
-            <a:off x="1963271" y="1323703"/>
-            <a:ext cx="6535270" cy="5337073"/>
+            <a:off x="572904" y="1507445"/>
+            <a:ext cx="5854790" cy="4780145"/>
           </a:xfrm>
+          <a:prstGeom prst="rect">
+            <a:avLst/>
+          </a:prstGeom>
         </p:spPr>
       </p:pic>
     </p:spTree>
@@ -6173,45 +6248,83 @@
             <p:ph type="title"/>
           </p:nvPr>
         </p:nvSpPr>
-        <p:spPr/>
-        <p:txBody>
-          <a:bodyPr/>
-          <a:lstStyle/>
-          <a:p>
-            <a:r>
-              <a:rPr lang="ru-RU" dirty="0" smtClean="0"/>
+        <p:spPr>
+          <a:xfrm>
+            <a:off x="677333" y="418012"/>
+            <a:ext cx="8596668" cy="1320800"/>
+          </a:xfrm>
+        </p:spPr>
+        <p:txBody>
+          <a:bodyPr>
+            <a:noAutofit/>
+          </a:bodyPr>
+          <a:lstStyle/>
+          <a:p>
+            <a:r>
+              <a:rPr lang="ru-RU" sz="4800" dirty="0" smtClean="0"/>
               <a:t>Рисование прямоугольников и окружностей</a:t>
             </a:r>
-            <a:endParaRPr lang="ru-RU" dirty="0"/>
+            <a:endParaRPr lang="ru-RU" sz="4800" dirty="0"/>
+          </a:p>
+        </p:txBody>
+      </p:sp>
+      <p:sp>
+        <p:nvSpPr>
+          <p:cNvPr id="4" name="TextBox 3"/>
+          <p:cNvSpPr txBox="1"/>
+          <p:nvPr/>
+        </p:nvSpPr>
+        <p:spPr>
+          <a:xfrm>
+            <a:off x="6479177" y="1912605"/>
+            <a:ext cx="3196047" cy="3046988"/>
+          </a:xfrm>
+          <a:prstGeom prst="rect">
+            <a:avLst/>
+          </a:prstGeom>
+          <a:noFill/>
+        </p:spPr>
+        <p:txBody>
+          <a:bodyPr wrap="square" rtlCol="0">
+            <a:spAutoFit/>
+          </a:bodyPr>
+          <a:lstStyle/>
+          <a:p>
+            <a:r>
+              <a:rPr lang="ru-RU" sz="2400" dirty="0" smtClean="0"/>
+              <a:t>Чтобы начать рисовать окружность или прямоугольник, пользователю нужно перейти в меню Фигуры и нажать на кнопку Окружность или Прямоугольник</a:t>
+            </a:r>
+            <a:endParaRPr lang="ru-RU" sz="2400" dirty="0"/>
           </a:p>
         </p:txBody>
       </p:sp>
       <p:pic>
         <p:nvPicPr>
-          <p:cNvPr id="6" name="Объект 5"/>
+          <p:cNvPr id="3" name="Рисунок 2"/>
           <p:cNvPicPr>
-            <a:picLocks noGrp="1" noChangeAspect="1"/>
+            <a:picLocks noChangeAspect="1"/>
           </p:cNvPicPr>
-          <p:nvPr>
-            <p:ph idx="1"/>
-          </p:nvPr>
+          <p:nvPr/>
         </p:nvPicPr>
         <p:blipFill rotWithShape="1">
-          <a:blip r:embed="rId2" cstate="print">
+          <a:blip r:embed="rId2">
             <a:extLst>
               <a:ext uri="{28A0092B-C50C-407E-A947-70E740481C1C}">
                 <a14:useLocalDpi xmlns:a14="http://schemas.microsoft.com/office/drawing/2010/main" val="0"/>
               </a:ext>
             </a:extLst>
           </a:blip>
-          <a:srcRect l="29563" t="16356" r="29830" b="24412"/>
+          <a:srcRect l="29713" t="16495" r="29713" b="24443"/>
           <a:stretch/>
         </p:blipFill>
         <p:spPr>
           <a:xfrm>
-            <a:off x="1959172" y="1787517"/>
-            <a:ext cx="5880847" cy="4825192"/>
+            <a:off x="454897" y="2011679"/>
+            <a:ext cx="5606271" cy="4590577"/>
           </a:xfrm>
+          <a:prstGeom prst="rect">
+            <a:avLst/>
+          </a:prstGeom>
         </p:spPr>
       </p:pic>
     </p:spTree>
@@ -6256,43 +6369,76 @@
         </p:nvSpPr>
         <p:spPr/>
         <p:txBody>
-          <a:bodyPr/>
-          <a:lstStyle/>
-          <a:p>
-            <a:r>
-              <a:rPr lang="ru-RU" dirty="0" smtClean="0"/>
+          <a:bodyPr>
+            <a:normAutofit/>
+          </a:bodyPr>
+          <a:lstStyle/>
+          <a:p>
+            <a:r>
+              <a:rPr lang="ru-RU" sz="4800" dirty="0" smtClean="0"/>
               <a:t>Работа с ластиком</a:t>
             </a:r>
-            <a:endParaRPr lang="ru-RU" dirty="0"/>
+            <a:endParaRPr lang="ru-RU" sz="4800" dirty="0"/>
+          </a:p>
+        </p:txBody>
+      </p:sp>
+      <p:sp>
+        <p:nvSpPr>
+          <p:cNvPr id="5" name="TextBox 4"/>
+          <p:cNvSpPr txBox="1"/>
+          <p:nvPr/>
+        </p:nvSpPr>
+        <p:spPr>
+          <a:xfrm>
+            <a:off x="6679470" y="1912605"/>
+            <a:ext cx="3701143" cy="2308324"/>
+          </a:xfrm>
+          <a:prstGeom prst="rect">
+            <a:avLst/>
+          </a:prstGeom>
+          <a:noFill/>
+        </p:spPr>
+        <p:txBody>
+          <a:bodyPr wrap="square" rtlCol="0">
+            <a:spAutoFit/>
+          </a:bodyPr>
+          <a:lstStyle/>
+          <a:p>
+            <a:r>
+              <a:rPr lang="ru-RU" sz="2400" dirty="0" smtClean="0"/>
+              <a:t>Чтобы начать стирать нарисованное ластиком, пользователю нужно перейти в меню Инструменты и нажать на кнопку Ластик</a:t>
+            </a:r>
+            <a:endParaRPr lang="ru-RU" sz="2400" dirty="0"/>
           </a:p>
         </p:txBody>
       </p:sp>
       <p:pic>
         <p:nvPicPr>
-          <p:cNvPr id="4" name="Объект 3"/>
+          <p:cNvPr id="3" name="Рисунок 2"/>
           <p:cNvPicPr>
-            <a:picLocks noGrp="1" noChangeAspect="1"/>
+            <a:picLocks noChangeAspect="1"/>
           </p:cNvPicPr>
-          <p:nvPr>
-            <p:ph idx="1"/>
-          </p:nvPr>
+          <p:nvPr/>
         </p:nvPicPr>
         <p:blipFill rotWithShape="1">
-          <a:blip r:embed="rId2" cstate="print">
+          <a:blip r:embed="rId2">
             <a:extLst>
               <a:ext uri="{28A0092B-C50C-407E-A947-70E740481C1C}">
                 <a14:useLocalDpi xmlns:a14="http://schemas.microsoft.com/office/drawing/2010/main" val="0"/>
               </a:ext>
             </a:extLst>
           </a:blip>
-          <a:srcRect l="29593" t="16424" r="29721" b="24513"/>
+          <a:srcRect l="29572" t="16508" r="29643" b="24572"/>
           <a:stretch/>
         </p:blipFill>
         <p:spPr>
           <a:xfrm>
-            <a:off x="2081348" y="1374503"/>
-            <a:ext cx="6378517" cy="5208493"/>
+            <a:off x="600264" y="1715588"/>
+            <a:ext cx="5851374" cy="4754881"/>
           </a:xfrm>
+          <a:prstGeom prst="rect">
+            <a:avLst/>
+          </a:prstGeom>
         </p:spPr>
       </p:pic>
     </p:spTree>
@@ -6335,22 +6481,59 @@
             <p:ph type="title"/>
           </p:nvPr>
         </p:nvSpPr>
-        <p:spPr/>
-        <p:txBody>
-          <a:bodyPr/>
-          <a:lstStyle/>
-          <a:p>
-            <a:r>
-              <a:rPr lang="ru-RU" dirty="0" smtClean="0"/>
+        <p:spPr>
+          <a:xfrm>
+            <a:off x="677334" y="444129"/>
+            <a:ext cx="8596668" cy="1320800"/>
+          </a:xfrm>
+        </p:spPr>
+        <p:txBody>
+          <a:bodyPr>
+            <a:normAutofit/>
+          </a:bodyPr>
+          <a:lstStyle/>
+          <a:p>
+            <a:r>
+              <a:rPr lang="ru-RU" sz="4800" dirty="0" smtClean="0"/>
               <a:t>Изменение толщины и цвета</a:t>
             </a:r>
-            <a:endParaRPr lang="ru-RU" dirty="0"/>
+            <a:endParaRPr lang="ru-RU" sz="4800" dirty="0"/>
+          </a:p>
+        </p:txBody>
+      </p:sp>
+      <p:sp>
+        <p:nvSpPr>
+          <p:cNvPr id="5" name="TextBox 4"/>
+          <p:cNvSpPr txBox="1"/>
+          <p:nvPr/>
+        </p:nvSpPr>
+        <p:spPr>
+          <a:xfrm>
+            <a:off x="6679470" y="1912605"/>
+            <a:ext cx="3701143" cy="2677656"/>
+          </a:xfrm>
+          <a:prstGeom prst="rect">
+            <a:avLst/>
+          </a:prstGeom>
+          <a:noFill/>
+        </p:spPr>
+        <p:txBody>
+          <a:bodyPr wrap="square" rtlCol="0">
+            <a:spAutoFit/>
+          </a:bodyPr>
+          <a:lstStyle/>
+          <a:p>
+            <a:r>
+              <a:rPr lang="ru-RU" sz="2400" dirty="0" smtClean="0"/>
+              <a:t>Чтобы изменить цвет или толщину, пользователю нужно перейти в меню Параметры и нажать   на кнопку Цвет или Толщина</a:t>
+            </a:r>
+            <a:endParaRPr lang="ru-RU" sz="2400" dirty="0"/>
           </a:p>
         </p:txBody>
       </p:sp>
       <p:pic>
         <p:nvPicPr>
-          <p:cNvPr id="4" name="Объект 3"/>
+          <p:cNvPr id="6" name="Объект 5"/>
           <p:cNvPicPr>
             <a:picLocks noGrp="1" noChangeAspect="1"/>
           </p:cNvPicPr>
@@ -6366,13 +6549,13 @@
               </a:ext>
             </a:extLst>
           </a:blip>
-          <a:srcRect l="29647" t="16581" r="29665" b="24559"/>
+          <a:srcRect l="29662" t="16511" r="29662" b="24430"/>
           <a:stretch/>
         </p:blipFill>
         <p:spPr>
           <a:xfrm>
-            <a:off x="2223247" y="1538810"/>
-            <a:ext cx="6052038" cy="4924743"/>
+            <a:off x="699246" y="1596804"/>
+            <a:ext cx="5805227" cy="4741243"/>
           </a:xfrm>
         </p:spPr>
       </p:pic>
@@ -6418,40 +6601,84 @@
         </p:nvSpPr>
         <p:spPr/>
         <p:txBody>
-          <a:bodyPr/>
-          <a:lstStyle/>
-          <a:p>
-            <a:r>
-              <a:rPr lang="ru-RU" dirty="0" smtClean="0"/>
-              <a:t>Отображение картинки</a:t>
-            </a:r>
-            <a:endParaRPr lang="ru-RU" dirty="0"/>
-          </a:p>
-        </p:txBody>
-      </p:sp>
-      <p:sp>
-        <p:nvSpPr>
-          <p:cNvPr id="3" name="Объект 2"/>
-          <p:cNvSpPr>
-            <a:spLocks noGrp="1"/>
-          </p:cNvSpPr>
-          <p:nvPr>
-            <p:ph idx="1"/>
-          </p:nvPr>
-        </p:nvSpPr>
-        <p:spPr/>
-        <p:txBody>
-          <a:bodyPr/>
-          <a:lstStyle/>
-          <a:p>
-            <a:endParaRPr lang="ru-RU"/>
-          </a:p>
-        </p:txBody>
-      </p:sp>
+          <a:bodyPr>
+            <a:normAutofit/>
+          </a:bodyPr>
+          <a:lstStyle/>
+          <a:p>
+            <a:r>
+              <a:rPr lang="ru-RU" sz="4800" dirty="0" smtClean="0"/>
+              <a:t>Окно О программе</a:t>
+            </a:r>
+            <a:endParaRPr lang="ru-RU" sz="4800" dirty="0"/>
+          </a:p>
+        </p:txBody>
+      </p:sp>
+      <p:sp>
+        <p:nvSpPr>
+          <p:cNvPr id="5" name="Объект 4"/>
+          <p:cNvSpPr>
+            <a:spLocks noGrp="1"/>
+          </p:cNvSpPr>
+          <p:nvPr>
+            <p:ph sz="half" idx="2"/>
+          </p:nvPr>
+        </p:nvSpPr>
+        <p:spPr>
+          <a:xfrm>
+            <a:off x="6305005" y="2160589"/>
+            <a:ext cx="3691810" cy="3880773"/>
+          </a:xfrm>
+        </p:spPr>
+        <p:txBody>
+          <a:bodyPr>
+            <a:normAutofit/>
+          </a:bodyPr>
+          <a:lstStyle/>
+          <a:p>
+            <a:pPr marL="0" indent="0">
+              <a:buNone/>
+            </a:pPr>
+            <a:r>
+              <a:rPr lang="ru-RU" sz="2400" dirty="0" smtClean="0"/>
+              <a:t>Чтобы открыть окно      О программе, пользователю нужно перейти в меню Помощь и нажать на кнопку       О программе.</a:t>
+            </a:r>
+            <a:endParaRPr lang="ru-RU" sz="2400" dirty="0"/>
+          </a:p>
+        </p:txBody>
+      </p:sp>
+      <p:pic>
+        <p:nvPicPr>
+          <p:cNvPr id="14" name="Объект 13"/>
+          <p:cNvPicPr>
+            <a:picLocks noGrp="1" noChangeAspect="1"/>
+          </p:cNvPicPr>
+          <p:nvPr>
+            <p:ph sz="half" idx="1"/>
+          </p:nvPr>
+        </p:nvPicPr>
+        <p:blipFill rotWithShape="1">
+          <a:blip r:embed="rId2">
+            <a:extLst>
+              <a:ext uri="{28A0092B-C50C-407E-A947-70E740481C1C}">
+                <a14:useLocalDpi xmlns:a14="http://schemas.microsoft.com/office/drawing/2010/main" val="0"/>
+              </a:ext>
+            </a:extLst>
+          </a:blip>
+          <a:srcRect l="285" t="291" b="-1"/>
+          <a:stretch/>
+        </p:blipFill>
+        <p:spPr>
+          <a:xfrm>
+            <a:off x="418010" y="1532709"/>
+            <a:ext cx="5857527" cy="4798421"/>
+          </a:xfrm>
+        </p:spPr>
+      </p:pic>
     </p:spTree>
     <p:extLst>
       <p:ext uri="{BB962C8B-B14F-4D97-AF65-F5344CB8AC3E}">
-        <p14:creationId xmlns:p14="http://schemas.microsoft.com/office/powerpoint/2010/main" val="3263880246"/>
+        <p14:creationId xmlns:p14="http://schemas.microsoft.com/office/powerpoint/2010/main" val="371801238"/>
       </p:ext>
     </p:extLst>
   </p:cSld>
@@ -6488,16 +6715,23 @@
             <p:ph type="title"/>
           </p:nvPr>
         </p:nvSpPr>
-        <p:spPr/>
-        <p:txBody>
-          <a:bodyPr/>
-          <a:lstStyle/>
-          <a:p>
-            <a:r>
-              <a:rPr lang="ru-RU" dirty="0" smtClean="0"/>
+        <p:spPr>
+          <a:xfrm>
+            <a:off x="677334" y="531219"/>
+            <a:ext cx="8596668" cy="1320800"/>
+          </a:xfrm>
+        </p:spPr>
+        <p:txBody>
+          <a:bodyPr>
+            <a:noAutofit/>
+          </a:bodyPr>
+          <a:lstStyle/>
+          <a:p>
+            <a:r>
+              <a:rPr lang="ru-RU" sz="5400" dirty="0" smtClean="0"/>
               <a:t>Функции, не вошедшие в презентацию</a:t>
             </a:r>
-            <a:endParaRPr lang="ru-RU" dirty="0"/>
+            <a:endParaRPr lang="ru-RU" sz="5400" dirty="0"/>
           </a:p>
         </p:txBody>
       </p:sp>
@@ -6511,30 +6745,26 @@
             <p:ph idx="1"/>
           </p:nvPr>
         </p:nvSpPr>
-        <p:spPr/>
+        <p:spPr>
+          <a:xfrm>
+            <a:off x="677334" y="2452916"/>
+            <a:ext cx="8596668" cy="4110962"/>
+          </a:xfrm>
+        </p:spPr>
         <p:txBody>
           <a:bodyPr>
             <a:normAutofit/>
           </a:bodyPr>
           <a:lstStyle/>
           <a:p>
-            <a:r>
-              <a:rPr lang="ru-RU" sz="2800" dirty="0" smtClean="0"/>
-              <a:t>Меню Помощь</a:t>
-            </a:r>
-          </a:p>
-          <a:p>
-            <a:r>
-              <a:rPr lang="ru-RU" sz="2800" dirty="0" smtClean="0"/>
-              <a:t>Кнопки назад, вперёд</a:t>
-            </a:r>
-          </a:p>
-          <a:p>
-            <a:r>
-              <a:rPr lang="ru-RU" sz="2800" dirty="0" smtClean="0"/>
-              <a:t>Сохранение изображений</a:t>
-            </a:r>
-            <a:endParaRPr lang="ru-RU" sz="2800" dirty="0"/>
+            <a:pPr marL="0" indent="0">
+              <a:buNone/>
+            </a:pPr>
+            <a:r>
+              <a:rPr lang="ru-RU" sz="3200" dirty="0" smtClean="0"/>
+              <a:t>В данной презентации я не рассмотрел функцию возвращения назад и переход вперёд. Эта функция реализована с помощью базы данных.</a:t>
+            </a:r>
+            <a:endParaRPr lang="ru-RU" sz="3200" dirty="0"/>
           </a:p>
         </p:txBody>
       </p:sp>

--- a/Презентация QT.pptx
+++ b/Презентация QT.pptx
@@ -6,13 +6,14 @@
   </p:sldMasterIdLst>
   <p:sldIdLst>
     <p:sldId id="256" r:id="rId2"/>
-    <p:sldId id="257" r:id="rId3"/>
-    <p:sldId id="258" r:id="rId4"/>
-    <p:sldId id="259" r:id="rId5"/>
-    <p:sldId id="260" r:id="rId6"/>
-    <p:sldId id="261" r:id="rId7"/>
-    <p:sldId id="264" r:id="rId8"/>
-    <p:sldId id="263" r:id="rId9"/>
+    <p:sldId id="265" r:id="rId3"/>
+    <p:sldId id="257" r:id="rId4"/>
+    <p:sldId id="258" r:id="rId5"/>
+    <p:sldId id="259" r:id="rId6"/>
+    <p:sldId id="260" r:id="rId7"/>
+    <p:sldId id="261" r:id="rId8"/>
+    <p:sldId id="264" r:id="rId9"/>
+    <p:sldId id="263" r:id="rId10"/>
   </p:sldIdLst>
   <p:sldSz cx="12192000" cy="6858000"/>
   <p:notesSz cx="6858000" cy="9144000"/>
@@ -841,7 +842,7 @@
           <a:p>
             <a:fld id="{8C1436C9-A9D6-44FF-AAD8-CB0B97ED1738}" type="datetimeFigureOut">
               <a:rPr lang="ru-RU" smtClean="0"/>
-              <a:t>05.11.2021</a:t>
+              <a:t>07.11.2021</a:t>
             </a:fld>
             <a:endParaRPr lang="ru-RU"/>
           </a:p>
@@ -1092,7 +1093,7 @@
           <a:p>
             <a:fld id="{8C1436C9-A9D6-44FF-AAD8-CB0B97ED1738}" type="datetimeFigureOut">
               <a:rPr lang="ru-RU" smtClean="0"/>
-              <a:t>05.11.2021</a:t>
+              <a:t>07.11.2021</a:t>
             </a:fld>
             <a:endParaRPr lang="ru-RU"/>
           </a:p>
@@ -1406,7 +1407,7 @@
           <a:p>
             <a:fld id="{8C1436C9-A9D6-44FF-AAD8-CB0B97ED1738}" type="datetimeFigureOut">
               <a:rPr lang="ru-RU" smtClean="0"/>
-              <a:t>05.11.2021</a:t>
+              <a:t>07.11.2021</a:t>
             </a:fld>
             <a:endParaRPr lang="ru-RU"/>
           </a:p>
@@ -1747,7 +1748,7 @@
           <a:p>
             <a:fld id="{8C1436C9-A9D6-44FF-AAD8-CB0B97ED1738}" type="datetimeFigureOut">
               <a:rPr lang="ru-RU" smtClean="0"/>
-              <a:t>05.11.2021</a:t>
+              <a:t>07.11.2021</a:t>
             </a:fld>
             <a:endParaRPr lang="ru-RU"/>
           </a:p>
@@ -2061,7 +2062,7 @@
           <a:p>
             <a:fld id="{8C1436C9-A9D6-44FF-AAD8-CB0B97ED1738}" type="datetimeFigureOut">
               <a:rPr lang="ru-RU" smtClean="0"/>
-              <a:t>05.11.2021</a:t>
+              <a:t>07.11.2021</a:t>
             </a:fld>
             <a:endParaRPr lang="ru-RU"/>
           </a:p>
@@ -2454,7 +2455,7 @@
           <a:p>
             <a:fld id="{8C1436C9-A9D6-44FF-AAD8-CB0B97ED1738}" type="datetimeFigureOut">
               <a:rPr lang="ru-RU" smtClean="0"/>
-              <a:t>05.11.2021</a:t>
+              <a:t>07.11.2021</a:t>
             </a:fld>
             <a:endParaRPr lang="ru-RU"/>
           </a:p>
@@ -2624,7 +2625,7 @@
           <a:p>
             <a:fld id="{8C1436C9-A9D6-44FF-AAD8-CB0B97ED1738}" type="datetimeFigureOut">
               <a:rPr lang="ru-RU" smtClean="0"/>
-              <a:t>05.11.2021</a:t>
+              <a:t>07.11.2021</a:t>
             </a:fld>
             <a:endParaRPr lang="ru-RU"/>
           </a:p>
@@ -2804,7 +2805,7 @@
           <a:p>
             <a:fld id="{8C1436C9-A9D6-44FF-AAD8-CB0B97ED1738}" type="datetimeFigureOut">
               <a:rPr lang="ru-RU" smtClean="0"/>
-              <a:t>05.11.2021</a:t>
+              <a:t>07.11.2021</a:t>
             </a:fld>
             <a:endParaRPr lang="ru-RU"/>
           </a:p>
@@ -2980,7 +2981,7 @@
           <a:p>
             <a:fld id="{8C1436C9-A9D6-44FF-AAD8-CB0B97ED1738}" type="datetimeFigureOut">
               <a:rPr lang="ru-RU" smtClean="0"/>
-              <a:t>05.11.2021</a:t>
+              <a:t>07.11.2021</a:t>
             </a:fld>
             <a:endParaRPr lang="ru-RU"/>
           </a:p>
@@ -3227,7 +3228,7 @@
           <a:p>
             <a:fld id="{8C1436C9-A9D6-44FF-AAD8-CB0B97ED1738}" type="datetimeFigureOut">
               <a:rPr lang="ru-RU" smtClean="0"/>
-              <a:t>05.11.2021</a:t>
+              <a:t>07.11.2021</a:t>
             </a:fld>
             <a:endParaRPr lang="ru-RU"/>
           </a:p>
@@ -3459,7 +3460,7 @@
           <a:p>
             <a:fld id="{8C1436C9-A9D6-44FF-AAD8-CB0B97ED1738}" type="datetimeFigureOut">
               <a:rPr lang="ru-RU" smtClean="0"/>
-              <a:t>05.11.2021</a:t>
+              <a:t>07.11.2021</a:t>
             </a:fld>
             <a:endParaRPr lang="ru-RU"/>
           </a:p>
@@ -3833,7 +3834,7 @@
           <a:p>
             <a:fld id="{8C1436C9-A9D6-44FF-AAD8-CB0B97ED1738}" type="datetimeFigureOut">
               <a:rPr lang="ru-RU" smtClean="0"/>
-              <a:t>05.11.2021</a:t>
+              <a:t>07.11.2021</a:t>
             </a:fld>
             <a:endParaRPr lang="ru-RU"/>
           </a:p>
@@ -3956,7 +3957,7 @@
           <a:p>
             <a:fld id="{8C1436C9-A9D6-44FF-AAD8-CB0B97ED1738}" type="datetimeFigureOut">
               <a:rPr lang="ru-RU" smtClean="0"/>
-              <a:t>05.11.2021</a:t>
+              <a:t>07.11.2021</a:t>
             </a:fld>
             <a:endParaRPr lang="ru-RU"/>
           </a:p>
@@ -4051,7 +4052,7 @@
           <a:p>
             <a:fld id="{8C1436C9-A9D6-44FF-AAD8-CB0B97ED1738}" type="datetimeFigureOut">
               <a:rPr lang="ru-RU" smtClean="0"/>
-              <a:t>05.11.2021</a:t>
+              <a:t>07.11.2021</a:t>
             </a:fld>
             <a:endParaRPr lang="ru-RU"/>
           </a:p>
@@ -4306,7 +4307,7 @@
           <a:p>
             <a:fld id="{8C1436C9-A9D6-44FF-AAD8-CB0B97ED1738}" type="datetimeFigureOut">
               <a:rPr lang="ru-RU" smtClean="0"/>
-              <a:t>05.11.2021</a:t>
+              <a:t>07.11.2021</a:t>
             </a:fld>
             <a:endParaRPr lang="ru-RU"/>
           </a:p>
@@ -4569,7 +4570,7 @@
           <a:p>
             <a:fld id="{8C1436C9-A9D6-44FF-AAD8-CB0B97ED1738}" type="datetimeFigureOut">
               <a:rPr lang="ru-RU" smtClean="0"/>
-              <a:t>05.11.2021</a:t>
+              <a:t>07.11.2021</a:t>
             </a:fld>
             <a:endParaRPr lang="ru-RU"/>
           </a:p>
@@ -5312,7 +5313,7 @@
           <a:p>
             <a:fld id="{8C1436C9-A9D6-44FF-AAD8-CB0B97ED1738}" type="datetimeFigureOut">
               <a:rPr lang="ru-RU" smtClean="0"/>
-              <a:t>05.11.2021</a:t>
+              <a:t>07.11.2021</a:t>
             </a:fld>
             <a:endParaRPr lang="ru-RU"/>
           </a:p>
@@ -6007,6 +6008,137 @@
       </p:grpSpPr>
       <p:sp>
         <p:nvSpPr>
+          <p:cNvPr id="4" name="Заголовок 3"/>
+          <p:cNvSpPr>
+            <a:spLocks noGrp="1"/>
+          </p:cNvSpPr>
+          <p:nvPr>
+            <p:ph type="title"/>
+          </p:nvPr>
+        </p:nvSpPr>
+        <p:spPr>
+          <a:xfrm>
+            <a:off x="677334" y="609599"/>
+            <a:ext cx="8596668" cy="1550989"/>
+          </a:xfrm>
+        </p:spPr>
+        <p:txBody>
+          <a:bodyPr>
+            <a:noAutofit/>
+          </a:bodyPr>
+          <a:lstStyle/>
+          <a:p>
+            <a:r>
+              <a:rPr lang="ru-RU" sz="4800" dirty="0" smtClean="0"/>
+              <a:t>Окно загрузки предыдущей работы</a:t>
+            </a:r>
+            <a:endParaRPr lang="ru-RU" sz="4800" dirty="0"/>
+          </a:p>
+        </p:txBody>
+      </p:sp>
+      <p:pic>
+        <p:nvPicPr>
+          <p:cNvPr id="7" name="Объект 6"/>
+          <p:cNvPicPr>
+            <a:picLocks noGrp="1" noChangeAspect="1"/>
+          </p:cNvPicPr>
+          <p:nvPr>
+            <p:ph sz="half" idx="1"/>
+          </p:nvPr>
+        </p:nvPicPr>
+        <p:blipFill>
+          <a:blip r:embed="rId2">
+            <a:extLst>
+              <a:ext uri="{28A0092B-C50C-407E-A947-70E740481C1C}">
+                <a14:useLocalDpi xmlns:a14="http://schemas.microsoft.com/office/drawing/2010/main" val="0"/>
+              </a:ext>
+            </a:extLst>
+          </a:blip>
+          <a:stretch>
+            <a:fillRect/>
+          </a:stretch>
+        </p:blipFill>
+        <p:spPr>
+          <a:xfrm>
+            <a:off x="232784" y="2830286"/>
+            <a:ext cx="4814241" cy="2412274"/>
+          </a:xfrm>
+        </p:spPr>
+      </p:pic>
+      <p:sp>
+        <p:nvSpPr>
+          <p:cNvPr id="6" name="Объект 5"/>
+          <p:cNvSpPr>
+            <a:spLocks noGrp="1"/>
+          </p:cNvSpPr>
+          <p:nvPr>
+            <p:ph sz="half" idx="2"/>
+          </p:nvPr>
+        </p:nvSpPr>
+        <p:spPr>
+          <a:xfrm>
+            <a:off x="5595068" y="2160589"/>
+            <a:ext cx="4280452" cy="3880773"/>
+          </a:xfrm>
+        </p:spPr>
+        <p:txBody>
+          <a:bodyPr>
+            <a:normAutofit/>
+          </a:bodyPr>
+          <a:lstStyle/>
+          <a:p>
+            <a:pPr marL="0" indent="0">
+              <a:buNone/>
+            </a:pPr>
+            <a:r>
+              <a:rPr lang="ru-RU" sz="2400" dirty="0" smtClean="0"/>
+              <a:t>Это окно показывается пользователю, только если БД не пустая. </a:t>
+            </a:r>
+          </a:p>
+          <a:p>
+            <a:pPr marL="0" indent="0">
+              <a:buNone/>
+            </a:pPr>
+            <a:r>
+              <a:rPr lang="ru-RU" sz="2400" dirty="0" smtClean="0"/>
+              <a:t>Здесь спрашивается, хочет ли пользователь продолжить предыдущую работу.</a:t>
+            </a:r>
+            <a:endParaRPr lang="ru-RU" sz="2400" dirty="0"/>
+          </a:p>
+        </p:txBody>
+      </p:sp>
+    </p:spTree>
+    <p:extLst>
+      <p:ext uri="{BB962C8B-B14F-4D97-AF65-F5344CB8AC3E}">
+        <p14:creationId xmlns:p14="http://schemas.microsoft.com/office/powerpoint/2010/main" val="2796190901"/>
+      </p:ext>
+    </p:extLst>
+  </p:cSld>
+  <p:clrMapOvr>
+    <a:masterClrMapping/>
+  </p:clrMapOvr>
+</p:sld>
+</file>
+
+<file path=ppt/slides/slide3.xml><?xml version="1.0" encoding="utf-8"?>
+<p:sld xmlns:a="http://schemas.openxmlformats.org/drawingml/2006/main" xmlns:r="http://schemas.openxmlformats.org/officeDocument/2006/relationships" xmlns:p="http://schemas.openxmlformats.org/presentationml/2006/main">
+  <p:cSld>
+    <p:spTree>
+      <p:nvGrpSpPr>
+        <p:cNvPr id="1" name=""/>
+        <p:cNvGrpSpPr/>
+        <p:nvPr/>
+      </p:nvGrpSpPr>
+      <p:grpSpPr>
+        <a:xfrm>
+          <a:off x="0" y="0"/>
+          <a:ext cx="0" cy="0"/>
+          <a:chOff x="0" y="0"/>
+          <a:chExt cx="0" cy="0"/>
+        </a:xfrm>
+      </p:grpSpPr>
+      <p:sp>
+        <p:nvSpPr>
           <p:cNvPr id="2" name="Заголовок 1"/>
           <p:cNvSpPr>
             <a:spLocks noGrp="1"/>
@@ -6107,7 +6239,7 @@
 </p:sld>
 </file>
 
-<file path=ppt/slides/slide3.xml><?xml version="1.0" encoding="utf-8"?>
+<file path=ppt/slides/slide4.xml><?xml version="1.0" encoding="utf-8"?>
 <p:sld xmlns:a="http://schemas.openxmlformats.org/drawingml/2006/main" xmlns:r="http://schemas.openxmlformats.org/officeDocument/2006/relationships" xmlns:p="http://schemas.openxmlformats.org/presentationml/2006/main">
   <p:cSld>
     <p:spTree>
@@ -6221,7 +6353,7 @@
 </p:sld>
 </file>
 
-<file path=ppt/slides/slide4.xml><?xml version="1.0" encoding="utf-8"?>
+<file path=ppt/slides/slide5.xml><?xml version="1.0" encoding="utf-8"?>
 <p:sld xmlns:a="http://schemas.openxmlformats.org/drawingml/2006/main" xmlns:r="http://schemas.openxmlformats.org/officeDocument/2006/relationships" xmlns:p="http://schemas.openxmlformats.org/presentationml/2006/main">
   <p:cSld>
     <p:spTree>
@@ -6340,7 +6472,7 @@
 </p:sld>
 </file>
 
-<file path=ppt/slides/slide5.xml><?xml version="1.0" encoding="utf-8"?>
+<file path=ppt/slides/slide6.xml><?xml version="1.0" encoding="utf-8"?>
 <p:sld xmlns:a="http://schemas.openxmlformats.org/drawingml/2006/main" xmlns:r="http://schemas.openxmlformats.org/officeDocument/2006/relationships" xmlns:p="http://schemas.openxmlformats.org/presentationml/2006/main">
   <p:cSld>
     <p:spTree>
@@ -6454,7 +6586,7 @@
 </p:sld>
 </file>
 
-<file path=ppt/slides/slide6.xml><?xml version="1.0" encoding="utf-8"?>
+<file path=ppt/slides/slide7.xml><?xml version="1.0" encoding="utf-8"?>
 <p:sld xmlns:a="http://schemas.openxmlformats.org/drawingml/2006/main" xmlns:r="http://schemas.openxmlformats.org/officeDocument/2006/relationships" xmlns:p="http://schemas.openxmlformats.org/presentationml/2006/main">
   <p:cSld>
     <p:spTree>
@@ -6572,7 +6704,7 @@
 </p:sld>
 </file>
 
-<file path=ppt/slides/slide7.xml><?xml version="1.0" encoding="utf-8"?>
+<file path=ppt/slides/slide8.xml><?xml version="1.0" encoding="utf-8"?>
 <p:sld xmlns:a="http://schemas.openxmlformats.org/drawingml/2006/main" xmlns:r="http://schemas.openxmlformats.org/officeDocument/2006/relationships" xmlns:p="http://schemas.openxmlformats.org/presentationml/2006/main">
   <p:cSld>
     <p:spTree>
@@ -6688,7 +6820,7 @@
 </p:sld>
 </file>
 
-<file path=ppt/slides/slide8.xml><?xml version="1.0" encoding="utf-8"?>
+<file path=ppt/slides/slide9.xml><?xml version="1.0" encoding="utf-8"?>
 <p:sld xmlns:a="http://schemas.openxmlformats.org/drawingml/2006/main" xmlns:r="http://schemas.openxmlformats.org/officeDocument/2006/relationships" xmlns:p="http://schemas.openxmlformats.org/presentationml/2006/main">
   <p:cSld>
     <p:spTree>
